--- a/ppt 16-9/1114.你是我脚前的.pptx
+++ b/ppt 16-9/1114.你是我脚前的.pptx
@@ -5,7 +5,7 @@
     <p:sldMasterId id="2147483648" r:id="rId1"/>
   </p:sldMasterIdLst>
   <p:sldIdLst>
-    <p:sldId id="588" r:id="rId2"/>
+    <p:sldId id="589" r:id="rId2"/>
   </p:sldIdLst>
   <p:sldSz cx="12192000" cy="6858000"/>
   <p:notesSz cx="6858000" cy="9144000"/>
@@ -129,7 +129,7 @@
           <p:cNvPr id="2" name="标题 1">
             <a:extLst>
               <a:ext uri="{FF2B5EF4-FFF2-40B4-BE49-F238E27FC236}">
-                <a16:creationId xmlns:a16="http://schemas.microsoft.com/office/drawing/2014/main" id="{0F8362E3-0481-968B-8245-B11E746F5030}"/>
+                <a16:creationId xmlns:a16="http://schemas.microsoft.com/office/drawing/2014/main" id="{71836C30-EB37-008F-36B0-3D1C15077787}"/>
               </a:ext>
             </a:extLst>
           </p:cNvPr>
@@ -166,7 +166,7 @@
           <p:cNvPr id="3" name="副标题 2">
             <a:extLst>
               <a:ext uri="{FF2B5EF4-FFF2-40B4-BE49-F238E27FC236}">
-                <a16:creationId xmlns:a16="http://schemas.microsoft.com/office/drawing/2014/main" id="{0D6953C2-AE97-5E54-9B6A-3D01F0B45199}"/>
+                <a16:creationId xmlns:a16="http://schemas.microsoft.com/office/drawing/2014/main" id="{E09A0310-4CD8-BDBA-E036-65C95BBE2A13}"/>
               </a:ext>
             </a:extLst>
           </p:cNvPr>
@@ -236,7 +236,7 @@
           <p:cNvPr id="4" name="日期占位符 3">
             <a:extLst>
               <a:ext uri="{FF2B5EF4-FFF2-40B4-BE49-F238E27FC236}">
-                <a16:creationId xmlns:a16="http://schemas.microsoft.com/office/drawing/2014/main" id="{1F804BDD-F49D-566B-7F4F-C08AA25DF43F}"/>
+                <a16:creationId xmlns:a16="http://schemas.microsoft.com/office/drawing/2014/main" id="{32D0F699-0F48-8499-CFEC-A079E3ADA7F3}"/>
               </a:ext>
             </a:extLst>
           </p:cNvPr>
@@ -252,7 +252,7 @@
           <a:bodyPr/>
           <a:lstStyle/>
           <a:p>
-            <a:fld id="{B9423851-A06D-4CAE-8795-9A38EFFB0350}" type="datetimeFigureOut">
+            <a:fld id="{1B793DFF-F0EF-459D-8231-334BC7448C40}" type="datetimeFigureOut">
               <a:rPr lang="zh-CN" altLang="en-US" smtClean="0"/>
               <a:t>2024/3/10</a:t>
             </a:fld>
@@ -265,7 +265,7 @@
           <p:cNvPr id="5" name="页脚占位符 4">
             <a:extLst>
               <a:ext uri="{FF2B5EF4-FFF2-40B4-BE49-F238E27FC236}">
-                <a16:creationId xmlns:a16="http://schemas.microsoft.com/office/drawing/2014/main" id="{626036D5-A15F-9706-439C-A5533A89B8C7}"/>
+                <a16:creationId xmlns:a16="http://schemas.microsoft.com/office/drawing/2014/main" id="{BFA56B56-852F-AA7B-E34D-2E9E65689E50}"/>
               </a:ext>
             </a:extLst>
           </p:cNvPr>
@@ -290,7 +290,7 @@
           <p:cNvPr id="6" name="灯片编号占位符 5">
             <a:extLst>
               <a:ext uri="{FF2B5EF4-FFF2-40B4-BE49-F238E27FC236}">
-                <a16:creationId xmlns:a16="http://schemas.microsoft.com/office/drawing/2014/main" id="{FCC331E0-02E0-F9D2-47EA-646270143806}"/>
+                <a16:creationId xmlns:a16="http://schemas.microsoft.com/office/drawing/2014/main" id="{2BE35820-2181-2CBA-3B70-B16AC0F171EA}"/>
               </a:ext>
             </a:extLst>
           </p:cNvPr>
@@ -306,7 +306,7 @@
           <a:bodyPr/>
           <a:lstStyle/>
           <a:p>
-            <a:fld id="{31A8CC4A-569E-4661-9FA5-D5FE28EB8517}" type="slidenum">
+            <a:fld id="{1F67189C-1CDE-4735-8E80-995D658D1459}" type="slidenum">
               <a:rPr lang="zh-CN" altLang="en-US" smtClean="0"/>
               <a:t>‹#›</a:t>
             </a:fld>
@@ -317,7 +317,7 @@
     </p:spTree>
     <p:extLst>
       <p:ext uri="{BB962C8B-B14F-4D97-AF65-F5344CB8AC3E}">
-        <p14:creationId xmlns:p14="http://schemas.microsoft.com/office/powerpoint/2010/main" val="1026161175"/>
+        <p14:creationId xmlns:p14="http://schemas.microsoft.com/office/powerpoint/2010/main" val="4169948869"/>
       </p:ext>
     </p:extLst>
   </p:cSld>
@@ -349,7 +349,7 @@
           <p:cNvPr id="2" name="标题 1">
             <a:extLst>
               <a:ext uri="{FF2B5EF4-FFF2-40B4-BE49-F238E27FC236}">
-                <a16:creationId xmlns:a16="http://schemas.microsoft.com/office/drawing/2014/main" id="{A37257A8-9D34-F474-EC95-D0B43855EB1E}"/>
+                <a16:creationId xmlns:a16="http://schemas.microsoft.com/office/drawing/2014/main" id="{E00E22F5-98B4-92BE-A30F-79C504261CE4}"/>
               </a:ext>
             </a:extLst>
           </p:cNvPr>
@@ -377,7 +377,7 @@
           <p:cNvPr id="3" name="竖排文字占位符 2">
             <a:extLst>
               <a:ext uri="{FF2B5EF4-FFF2-40B4-BE49-F238E27FC236}">
-                <a16:creationId xmlns:a16="http://schemas.microsoft.com/office/drawing/2014/main" id="{01AEE9B9-A356-14A1-578B-299CDE0D46E5}"/>
+                <a16:creationId xmlns:a16="http://schemas.microsoft.com/office/drawing/2014/main" id="{68E6BF0F-E3B6-603B-BA51-2155C05A4FC4}"/>
               </a:ext>
             </a:extLst>
           </p:cNvPr>
@@ -434,7 +434,7 @@
           <p:cNvPr id="4" name="日期占位符 3">
             <a:extLst>
               <a:ext uri="{FF2B5EF4-FFF2-40B4-BE49-F238E27FC236}">
-                <a16:creationId xmlns:a16="http://schemas.microsoft.com/office/drawing/2014/main" id="{9FD13300-8210-6365-BCC5-5107E5396CBA}"/>
+                <a16:creationId xmlns:a16="http://schemas.microsoft.com/office/drawing/2014/main" id="{48717BCD-5161-5F89-BBAE-1330DC72FC3B}"/>
               </a:ext>
             </a:extLst>
           </p:cNvPr>
@@ -450,7 +450,7 @@
           <a:bodyPr/>
           <a:lstStyle/>
           <a:p>
-            <a:fld id="{B9423851-A06D-4CAE-8795-9A38EFFB0350}" type="datetimeFigureOut">
+            <a:fld id="{1B793DFF-F0EF-459D-8231-334BC7448C40}" type="datetimeFigureOut">
               <a:rPr lang="zh-CN" altLang="en-US" smtClean="0"/>
               <a:t>2024/3/10</a:t>
             </a:fld>
@@ -463,7 +463,7 @@
           <p:cNvPr id="5" name="页脚占位符 4">
             <a:extLst>
               <a:ext uri="{FF2B5EF4-FFF2-40B4-BE49-F238E27FC236}">
-                <a16:creationId xmlns:a16="http://schemas.microsoft.com/office/drawing/2014/main" id="{E57C41DC-7211-8CC7-326E-7720EC478CA5}"/>
+                <a16:creationId xmlns:a16="http://schemas.microsoft.com/office/drawing/2014/main" id="{5ACB4DF3-F535-B4F8-68CD-0D599D2241AD}"/>
               </a:ext>
             </a:extLst>
           </p:cNvPr>
@@ -488,7 +488,7 @@
           <p:cNvPr id="6" name="灯片编号占位符 5">
             <a:extLst>
               <a:ext uri="{FF2B5EF4-FFF2-40B4-BE49-F238E27FC236}">
-                <a16:creationId xmlns:a16="http://schemas.microsoft.com/office/drawing/2014/main" id="{A3277414-A8C8-18EC-FB75-10D165F38614}"/>
+                <a16:creationId xmlns:a16="http://schemas.microsoft.com/office/drawing/2014/main" id="{7A347A21-A90C-CCCA-8E75-DF9C04D5652F}"/>
               </a:ext>
             </a:extLst>
           </p:cNvPr>
@@ -504,7 +504,7 @@
           <a:bodyPr/>
           <a:lstStyle/>
           <a:p>
-            <a:fld id="{31A8CC4A-569E-4661-9FA5-D5FE28EB8517}" type="slidenum">
+            <a:fld id="{1F67189C-1CDE-4735-8E80-995D658D1459}" type="slidenum">
               <a:rPr lang="zh-CN" altLang="en-US" smtClean="0"/>
               <a:t>‹#›</a:t>
             </a:fld>
@@ -515,7 +515,7 @@
     </p:spTree>
     <p:extLst>
       <p:ext uri="{BB962C8B-B14F-4D97-AF65-F5344CB8AC3E}">
-        <p14:creationId xmlns:p14="http://schemas.microsoft.com/office/powerpoint/2010/main" val="34000173"/>
+        <p14:creationId xmlns:p14="http://schemas.microsoft.com/office/powerpoint/2010/main" val="2329354057"/>
       </p:ext>
     </p:extLst>
   </p:cSld>
@@ -547,7 +547,7 @@
           <p:cNvPr id="2" name="竖排标题 1">
             <a:extLst>
               <a:ext uri="{FF2B5EF4-FFF2-40B4-BE49-F238E27FC236}">
-                <a16:creationId xmlns:a16="http://schemas.microsoft.com/office/drawing/2014/main" id="{2F86EFB7-6EC5-023E-29CD-A29E483915BF}"/>
+                <a16:creationId xmlns:a16="http://schemas.microsoft.com/office/drawing/2014/main" id="{0ACA3A9A-A217-A3DD-1385-9DCE40E1FB5F}"/>
               </a:ext>
             </a:extLst>
           </p:cNvPr>
@@ -580,7 +580,7 @@
           <p:cNvPr id="3" name="竖排文字占位符 2">
             <a:extLst>
               <a:ext uri="{FF2B5EF4-FFF2-40B4-BE49-F238E27FC236}">
-                <a16:creationId xmlns:a16="http://schemas.microsoft.com/office/drawing/2014/main" id="{8CCF6F91-A3D3-ED24-8DF5-8D20F75B42A9}"/>
+                <a16:creationId xmlns:a16="http://schemas.microsoft.com/office/drawing/2014/main" id="{602139F4-C18C-B496-F412-39E54C0BCFDE}"/>
               </a:ext>
             </a:extLst>
           </p:cNvPr>
@@ -642,7 +642,7 @@
           <p:cNvPr id="4" name="日期占位符 3">
             <a:extLst>
               <a:ext uri="{FF2B5EF4-FFF2-40B4-BE49-F238E27FC236}">
-                <a16:creationId xmlns:a16="http://schemas.microsoft.com/office/drawing/2014/main" id="{43378687-C775-3AA5-5920-BDEC467130B3}"/>
+                <a16:creationId xmlns:a16="http://schemas.microsoft.com/office/drawing/2014/main" id="{CDEBEDB7-4E3C-F76F-A998-B1CB39FD3A2A}"/>
               </a:ext>
             </a:extLst>
           </p:cNvPr>
@@ -658,7 +658,7 @@
           <a:bodyPr/>
           <a:lstStyle/>
           <a:p>
-            <a:fld id="{B9423851-A06D-4CAE-8795-9A38EFFB0350}" type="datetimeFigureOut">
+            <a:fld id="{1B793DFF-F0EF-459D-8231-334BC7448C40}" type="datetimeFigureOut">
               <a:rPr lang="zh-CN" altLang="en-US" smtClean="0"/>
               <a:t>2024/3/10</a:t>
             </a:fld>
@@ -671,7 +671,7 @@
           <p:cNvPr id="5" name="页脚占位符 4">
             <a:extLst>
               <a:ext uri="{FF2B5EF4-FFF2-40B4-BE49-F238E27FC236}">
-                <a16:creationId xmlns:a16="http://schemas.microsoft.com/office/drawing/2014/main" id="{C5DD9D15-2907-436C-CD82-617B71049D51}"/>
+                <a16:creationId xmlns:a16="http://schemas.microsoft.com/office/drawing/2014/main" id="{7A8EE2B1-5AA5-BF10-2F3E-190D71133FAE}"/>
               </a:ext>
             </a:extLst>
           </p:cNvPr>
@@ -696,7 +696,7 @@
           <p:cNvPr id="6" name="灯片编号占位符 5">
             <a:extLst>
               <a:ext uri="{FF2B5EF4-FFF2-40B4-BE49-F238E27FC236}">
-                <a16:creationId xmlns:a16="http://schemas.microsoft.com/office/drawing/2014/main" id="{78C8B920-2A82-1C64-FD6F-3E1448B07D41}"/>
+                <a16:creationId xmlns:a16="http://schemas.microsoft.com/office/drawing/2014/main" id="{F6CABB33-65E9-7830-8FA5-A25A9172BE9F}"/>
               </a:ext>
             </a:extLst>
           </p:cNvPr>
@@ -712,7 +712,7 @@
           <a:bodyPr/>
           <a:lstStyle/>
           <a:p>
-            <a:fld id="{31A8CC4A-569E-4661-9FA5-D5FE28EB8517}" type="slidenum">
+            <a:fld id="{1F67189C-1CDE-4735-8E80-995D658D1459}" type="slidenum">
               <a:rPr lang="zh-CN" altLang="en-US" smtClean="0"/>
               <a:t>‹#›</a:t>
             </a:fld>
@@ -723,7 +723,7 @@
     </p:spTree>
     <p:extLst>
       <p:ext uri="{BB962C8B-B14F-4D97-AF65-F5344CB8AC3E}">
-        <p14:creationId xmlns:p14="http://schemas.microsoft.com/office/powerpoint/2010/main" val="1335831156"/>
+        <p14:creationId xmlns:p14="http://schemas.microsoft.com/office/powerpoint/2010/main" val="220022636"/>
       </p:ext>
     </p:extLst>
   </p:cSld>
@@ -755,7 +755,7 @@
           <p:cNvPr id="2" name="标题 1">
             <a:extLst>
               <a:ext uri="{FF2B5EF4-FFF2-40B4-BE49-F238E27FC236}">
-                <a16:creationId xmlns:a16="http://schemas.microsoft.com/office/drawing/2014/main" id="{1460D4BE-D739-1F61-BDF7-9028A7CB786C}"/>
+                <a16:creationId xmlns:a16="http://schemas.microsoft.com/office/drawing/2014/main" id="{BC42C0D5-31F9-1F21-4817-18E17BA01056}"/>
               </a:ext>
             </a:extLst>
           </p:cNvPr>
@@ -783,7 +783,7 @@
           <p:cNvPr id="3" name="内容占位符 2">
             <a:extLst>
               <a:ext uri="{FF2B5EF4-FFF2-40B4-BE49-F238E27FC236}">
-                <a16:creationId xmlns:a16="http://schemas.microsoft.com/office/drawing/2014/main" id="{C91F0E1B-5440-BE1C-10EE-53484B44DA23}"/>
+                <a16:creationId xmlns:a16="http://schemas.microsoft.com/office/drawing/2014/main" id="{DEAEFB4B-F418-56BE-9C6F-FD5DF1DEFC44}"/>
               </a:ext>
             </a:extLst>
           </p:cNvPr>
@@ -840,7 +840,7 @@
           <p:cNvPr id="4" name="日期占位符 3">
             <a:extLst>
               <a:ext uri="{FF2B5EF4-FFF2-40B4-BE49-F238E27FC236}">
-                <a16:creationId xmlns:a16="http://schemas.microsoft.com/office/drawing/2014/main" id="{5686BA26-31BD-CAE8-563E-FB65A69EA0A0}"/>
+                <a16:creationId xmlns:a16="http://schemas.microsoft.com/office/drawing/2014/main" id="{608E00D9-3A03-126E-18B8-7B9B3F881BFD}"/>
               </a:ext>
             </a:extLst>
           </p:cNvPr>
@@ -856,7 +856,7 @@
           <a:bodyPr/>
           <a:lstStyle/>
           <a:p>
-            <a:fld id="{B9423851-A06D-4CAE-8795-9A38EFFB0350}" type="datetimeFigureOut">
+            <a:fld id="{1B793DFF-F0EF-459D-8231-334BC7448C40}" type="datetimeFigureOut">
               <a:rPr lang="zh-CN" altLang="en-US" smtClean="0"/>
               <a:t>2024/3/10</a:t>
             </a:fld>
@@ -869,7 +869,7 @@
           <p:cNvPr id="5" name="页脚占位符 4">
             <a:extLst>
               <a:ext uri="{FF2B5EF4-FFF2-40B4-BE49-F238E27FC236}">
-                <a16:creationId xmlns:a16="http://schemas.microsoft.com/office/drawing/2014/main" id="{6C529E34-A37D-2313-3E43-EED793938176}"/>
+                <a16:creationId xmlns:a16="http://schemas.microsoft.com/office/drawing/2014/main" id="{AAB70DD1-8404-4385-C13A-E30FC5B49FC1}"/>
               </a:ext>
             </a:extLst>
           </p:cNvPr>
@@ -894,7 +894,7 @@
           <p:cNvPr id="6" name="灯片编号占位符 5">
             <a:extLst>
               <a:ext uri="{FF2B5EF4-FFF2-40B4-BE49-F238E27FC236}">
-                <a16:creationId xmlns:a16="http://schemas.microsoft.com/office/drawing/2014/main" id="{6377B10E-79D9-B80B-B9CC-A4E81CA6DAC4}"/>
+                <a16:creationId xmlns:a16="http://schemas.microsoft.com/office/drawing/2014/main" id="{96AD9DD7-7DC1-5003-98CD-D6B41B3A059C}"/>
               </a:ext>
             </a:extLst>
           </p:cNvPr>
@@ -910,7 +910,7 @@
           <a:bodyPr/>
           <a:lstStyle/>
           <a:p>
-            <a:fld id="{31A8CC4A-569E-4661-9FA5-D5FE28EB8517}" type="slidenum">
+            <a:fld id="{1F67189C-1CDE-4735-8E80-995D658D1459}" type="slidenum">
               <a:rPr lang="zh-CN" altLang="en-US" smtClean="0"/>
               <a:t>‹#›</a:t>
             </a:fld>
@@ -921,7 +921,7 @@
     </p:spTree>
     <p:extLst>
       <p:ext uri="{BB962C8B-B14F-4D97-AF65-F5344CB8AC3E}">
-        <p14:creationId xmlns:p14="http://schemas.microsoft.com/office/powerpoint/2010/main" val="162523269"/>
+        <p14:creationId xmlns:p14="http://schemas.microsoft.com/office/powerpoint/2010/main" val="3881779631"/>
       </p:ext>
     </p:extLst>
   </p:cSld>
@@ -953,7 +953,7 @@
           <p:cNvPr id="2" name="标题 1">
             <a:extLst>
               <a:ext uri="{FF2B5EF4-FFF2-40B4-BE49-F238E27FC236}">
-                <a16:creationId xmlns:a16="http://schemas.microsoft.com/office/drawing/2014/main" id="{5EE699B9-0C67-5BC7-B5C5-5CD553B0C7CD}"/>
+                <a16:creationId xmlns:a16="http://schemas.microsoft.com/office/drawing/2014/main" id="{1747F385-6FC4-C672-A9AD-C870DEB64920}"/>
               </a:ext>
             </a:extLst>
           </p:cNvPr>
@@ -990,7 +990,7 @@
           <p:cNvPr id="3" name="文本占位符 2">
             <a:extLst>
               <a:ext uri="{FF2B5EF4-FFF2-40B4-BE49-F238E27FC236}">
-                <a16:creationId xmlns:a16="http://schemas.microsoft.com/office/drawing/2014/main" id="{C57EBE46-C5ED-15C5-3113-12F94DD439B3}"/>
+                <a16:creationId xmlns:a16="http://schemas.microsoft.com/office/drawing/2014/main" id="{A728F3BC-3B75-BF58-478C-43C714A4CEEB}"/>
               </a:ext>
             </a:extLst>
           </p:cNvPr>
@@ -1115,7 +1115,7 @@
           <p:cNvPr id="4" name="日期占位符 3">
             <a:extLst>
               <a:ext uri="{FF2B5EF4-FFF2-40B4-BE49-F238E27FC236}">
-                <a16:creationId xmlns:a16="http://schemas.microsoft.com/office/drawing/2014/main" id="{DC5B8C76-CA34-BBEF-48CE-57E76586A7D4}"/>
+                <a16:creationId xmlns:a16="http://schemas.microsoft.com/office/drawing/2014/main" id="{7AA322DB-FB76-0F97-EC6F-19206134F1C7}"/>
               </a:ext>
             </a:extLst>
           </p:cNvPr>
@@ -1131,7 +1131,7 @@
           <a:bodyPr/>
           <a:lstStyle/>
           <a:p>
-            <a:fld id="{B9423851-A06D-4CAE-8795-9A38EFFB0350}" type="datetimeFigureOut">
+            <a:fld id="{1B793DFF-F0EF-459D-8231-334BC7448C40}" type="datetimeFigureOut">
               <a:rPr lang="zh-CN" altLang="en-US" smtClean="0"/>
               <a:t>2024/3/10</a:t>
             </a:fld>
@@ -1144,7 +1144,7 @@
           <p:cNvPr id="5" name="页脚占位符 4">
             <a:extLst>
               <a:ext uri="{FF2B5EF4-FFF2-40B4-BE49-F238E27FC236}">
-                <a16:creationId xmlns:a16="http://schemas.microsoft.com/office/drawing/2014/main" id="{B8917CF1-9529-7962-2782-FA22D5285EB7}"/>
+                <a16:creationId xmlns:a16="http://schemas.microsoft.com/office/drawing/2014/main" id="{C160B2D7-204D-80C9-B714-B8C8EAC7BA80}"/>
               </a:ext>
             </a:extLst>
           </p:cNvPr>
@@ -1169,7 +1169,7 @@
           <p:cNvPr id="6" name="灯片编号占位符 5">
             <a:extLst>
               <a:ext uri="{FF2B5EF4-FFF2-40B4-BE49-F238E27FC236}">
-                <a16:creationId xmlns:a16="http://schemas.microsoft.com/office/drawing/2014/main" id="{BA5E6B6B-F941-8BD5-53AE-539992A0FE0F}"/>
+                <a16:creationId xmlns:a16="http://schemas.microsoft.com/office/drawing/2014/main" id="{1165500C-C1C9-CF30-D463-11317579968E}"/>
               </a:ext>
             </a:extLst>
           </p:cNvPr>
@@ -1185,7 +1185,7 @@
           <a:bodyPr/>
           <a:lstStyle/>
           <a:p>
-            <a:fld id="{31A8CC4A-569E-4661-9FA5-D5FE28EB8517}" type="slidenum">
+            <a:fld id="{1F67189C-1CDE-4735-8E80-995D658D1459}" type="slidenum">
               <a:rPr lang="zh-CN" altLang="en-US" smtClean="0"/>
               <a:t>‹#›</a:t>
             </a:fld>
@@ -1196,7 +1196,7 @@
     </p:spTree>
     <p:extLst>
       <p:ext uri="{BB962C8B-B14F-4D97-AF65-F5344CB8AC3E}">
-        <p14:creationId xmlns:p14="http://schemas.microsoft.com/office/powerpoint/2010/main" val="3118856220"/>
+        <p14:creationId xmlns:p14="http://schemas.microsoft.com/office/powerpoint/2010/main" val="1023188761"/>
       </p:ext>
     </p:extLst>
   </p:cSld>
@@ -1228,7 +1228,7 @@
           <p:cNvPr id="2" name="标题 1">
             <a:extLst>
               <a:ext uri="{FF2B5EF4-FFF2-40B4-BE49-F238E27FC236}">
-                <a16:creationId xmlns:a16="http://schemas.microsoft.com/office/drawing/2014/main" id="{54787944-D348-930A-F784-0BD61B8E6EAE}"/>
+                <a16:creationId xmlns:a16="http://schemas.microsoft.com/office/drawing/2014/main" id="{25E9F5A4-BCA8-ACC4-F261-A34254B95B84}"/>
               </a:ext>
             </a:extLst>
           </p:cNvPr>
@@ -1256,7 +1256,7 @@
           <p:cNvPr id="3" name="内容占位符 2">
             <a:extLst>
               <a:ext uri="{FF2B5EF4-FFF2-40B4-BE49-F238E27FC236}">
-                <a16:creationId xmlns:a16="http://schemas.microsoft.com/office/drawing/2014/main" id="{5CE4CF7B-47C6-B8BA-04B5-7B571CE906AF}"/>
+                <a16:creationId xmlns:a16="http://schemas.microsoft.com/office/drawing/2014/main" id="{BF9F4564-B7A2-3FE5-0633-82131769EB20}"/>
               </a:ext>
             </a:extLst>
           </p:cNvPr>
@@ -1318,7 +1318,7 @@
           <p:cNvPr id="4" name="内容占位符 3">
             <a:extLst>
               <a:ext uri="{FF2B5EF4-FFF2-40B4-BE49-F238E27FC236}">
-                <a16:creationId xmlns:a16="http://schemas.microsoft.com/office/drawing/2014/main" id="{9AFA0965-A673-3DFA-08D1-6FBC97236AFE}"/>
+                <a16:creationId xmlns:a16="http://schemas.microsoft.com/office/drawing/2014/main" id="{3F55A2C0-D0A4-09AE-46B9-E82C8B986A88}"/>
               </a:ext>
             </a:extLst>
           </p:cNvPr>
@@ -1380,7 +1380,7 @@
           <p:cNvPr id="5" name="日期占位符 4">
             <a:extLst>
               <a:ext uri="{FF2B5EF4-FFF2-40B4-BE49-F238E27FC236}">
-                <a16:creationId xmlns:a16="http://schemas.microsoft.com/office/drawing/2014/main" id="{A5DEDDD9-2CB8-4711-D5D3-13FB34E412F7}"/>
+                <a16:creationId xmlns:a16="http://schemas.microsoft.com/office/drawing/2014/main" id="{EE03044F-56FE-75BE-BBBE-1C70847BADC9}"/>
               </a:ext>
             </a:extLst>
           </p:cNvPr>
@@ -1396,7 +1396,7 @@
           <a:bodyPr/>
           <a:lstStyle/>
           <a:p>
-            <a:fld id="{B9423851-A06D-4CAE-8795-9A38EFFB0350}" type="datetimeFigureOut">
+            <a:fld id="{1B793DFF-F0EF-459D-8231-334BC7448C40}" type="datetimeFigureOut">
               <a:rPr lang="zh-CN" altLang="en-US" smtClean="0"/>
               <a:t>2024/3/10</a:t>
             </a:fld>
@@ -1409,7 +1409,7 @@
           <p:cNvPr id="6" name="页脚占位符 5">
             <a:extLst>
               <a:ext uri="{FF2B5EF4-FFF2-40B4-BE49-F238E27FC236}">
-                <a16:creationId xmlns:a16="http://schemas.microsoft.com/office/drawing/2014/main" id="{37E74BBC-0EE1-C7B7-AB33-EF022C890106}"/>
+                <a16:creationId xmlns:a16="http://schemas.microsoft.com/office/drawing/2014/main" id="{6D2BF81C-D040-F5F6-0C56-D128830F39FD}"/>
               </a:ext>
             </a:extLst>
           </p:cNvPr>
@@ -1434,7 +1434,7 @@
           <p:cNvPr id="7" name="灯片编号占位符 6">
             <a:extLst>
               <a:ext uri="{FF2B5EF4-FFF2-40B4-BE49-F238E27FC236}">
-                <a16:creationId xmlns:a16="http://schemas.microsoft.com/office/drawing/2014/main" id="{E33FE18D-4E6C-967F-38DF-345CFDC293A2}"/>
+                <a16:creationId xmlns:a16="http://schemas.microsoft.com/office/drawing/2014/main" id="{FA2B4189-A4D6-ECCA-D72B-9B990F8A8390}"/>
               </a:ext>
             </a:extLst>
           </p:cNvPr>
@@ -1450,7 +1450,7 @@
           <a:bodyPr/>
           <a:lstStyle/>
           <a:p>
-            <a:fld id="{31A8CC4A-569E-4661-9FA5-D5FE28EB8517}" type="slidenum">
+            <a:fld id="{1F67189C-1CDE-4735-8E80-995D658D1459}" type="slidenum">
               <a:rPr lang="zh-CN" altLang="en-US" smtClean="0"/>
               <a:t>‹#›</a:t>
             </a:fld>
@@ -1461,7 +1461,7 @@
     </p:spTree>
     <p:extLst>
       <p:ext uri="{BB962C8B-B14F-4D97-AF65-F5344CB8AC3E}">
-        <p14:creationId xmlns:p14="http://schemas.microsoft.com/office/powerpoint/2010/main" val="4232104337"/>
+        <p14:creationId xmlns:p14="http://schemas.microsoft.com/office/powerpoint/2010/main" val="1073542511"/>
       </p:ext>
     </p:extLst>
   </p:cSld>
@@ -1493,7 +1493,7 @@
           <p:cNvPr id="2" name="标题 1">
             <a:extLst>
               <a:ext uri="{FF2B5EF4-FFF2-40B4-BE49-F238E27FC236}">
-                <a16:creationId xmlns:a16="http://schemas.microsoft.com/office/drawing/2014/main" id="{2E52F93B-5FB8-40D1-71D6-C005E5CAEE84}"/>
+                <a16:creationId xmlns:a16="http://schemas.microsoft.com/office/drawing/2014/main" id="{95339A56-C00B-EF44-A483-EFB543FC1D3E}"/>
               </a:ext>
             </a:extLst>
           </p:cNvPr>
@@ -1526,7 +1526,7 @@
           <p:cNvPr id="3" name="文本占位符 2">
             <a:extLst>
               <a:ext uri="{FF2B5EF4-FFF2-40B4-BE49-F238E27FC236}">
-                <a16:creationId xmlns:a16="http://schemas.microsoft.com/office/drawing/2014/main" id="{6E0F4522-565E-46CF-9BE4-597FAB115956}"/>
+                <a16:creationId xmlns:a16="http://schemas.microsoft.com/office/drawing/2014/main" id="{16C95602-3A89-43B9-63B3-14861AEA9B56}"/>
               </a:ext>
             </a:extLst>
           </p:cNvPr>
@@ -1597,7 +1597,7 @@
           <p:cNvPr id="4" name="内容占位符 3">
             <a:extLst>
               <a:ext uri="{FF2B5EF4-FFF2-40B4-BE49-F238E27FC236}">
-                <a16:creationId xmlns:a16="http://schemas.microsoft.com/office/drawing/2014/main" id="{C8FFC3D7-7FAD-3911-1A09-1605A3404FFD}"/>
+                <a16:creationId xmlns:a16="http://schemas.microsoft.com/office/drawing/2014/main" id="{B7F1A2B3-8645-94EA-2E23-13068651616A}"/>
               </a:ext>
             </a:extLst>
           </p:cNvPr>
@@ -1659,7 +1659,7 @@
           <p:cNvPr id="5" name="文本占位符 4">
             <a:extLst>
               <a:ext uri="{FF2B5EF4-FFF2-40B4-BE49-F238E27FC236}">
-                <a16:creationId xmlns:a16="http://schemas.microsoft.com/office/drawing/2014/main" id="{0C34B547-CE1B-7D33-95A2-BE40B4A16AC8}"/>
+                <a16:creationId xmlns:a16="http://schemas.microsoft.com/office/drawing/2014/main" id="{DBE455EF-527D-B957-6A25-21F3C680B44E}"/>
               </a:ext>
             </a:extLst>
           </p:cNvPr>
@@ -1730,7 +1730,7 @@
           <p:cNvPr id="6" name="内容占位符 5">
             <a:extLst>
               <a:ext uri="{FF2B5EF4-FFF2-40B4-BE49-F238E27FC236}">
-                <a16:creationId xmlns:a16="http://schemas.microsoft.com/office/drawing/2014/main" id="{490CB4FA-09FA-4A49-EF35-3C3F19CC94B8}"/>
+                <a16:creationId xmlns:a16="http://schemas.microsoft.com/office/drawing/2014/main" id="{11A1CA1B-97F2-20A0-574E-94EE4980F559}"/>
               </a:ext>
             </a:extLst>
           </p:cNvPr>
@@ -1792,7 +1792,7 @@
           <p:cNvPr id="7" name="日期占位符 6">
             <a:extLst>
               <a:ext uri="{FF2B5EF4-FFF2-40B4-BE49-F238E27FC236}">
-                <a16:creationId xmlns:a16="http://schemas.microsoft.com/office/drawing/2014/main" id="{73EE801B-8A51-CD3B-9306-50DD9B3BA562}"/>
+                <a16:creationId xmlns:a16="http://schemas.microsoft.com/office/drawing/2014/main" id="{2961E006-8E61-8677-5265-E50E7BD38AAD}"/>
               </a:ext>
             </a:extLst>
           </p:cNvPr>
@@ -1808,7 +1808,7 @@
           <a:bodyPr/>
           <a:lstStyle/>
           <a:p>
-            <a:fld id="{B9423851-A06D-4CAE-8795-9A38EFFB0350}" type="datetimeFigureOut">
+            <a:fld id="{1B793DFF-F0EF-459D-8231-334BC7448C40}" type="datetimeFigureOut">
               <a:rPr lang="zh-CN" altLang="en-US" smtClean="0"/>
               <a:t>2024/3/10</a:t>
             </a:fld>
@@ -1821,7 +1821,7 @@
           <p:cNvPr id="8" name="页脚占位符 7">
             <a:extLst>
               <a:ext uri="{FF2B5EF4-FFF2-40B4-BE49-F238E27FC236}">
-                <a16:creationId xmlns:a16="http://schemas.microsoft.com/office/drawing/2014/main" id="{F189F6E6-6B49-0185-5D0D-8B087B274472}"/>
+                <a16:creationId xmlns:a16="http://schemas.microsoft.com/office/drawing/2014/main" id="{C06E42BB-A5CD-4536-D5B3-0211DCE015B6}"/>
               </a:ext>
             </a:extLst>
           </p:cNvPr>
@@ -1846,7 +1846,7 @@
           <p:cNvPr id="9" name="灯片编号占位符 8">
             <a:extLst>
               <a:ext uri="{FF2B5EF4-FFF2-40B4-BE49-F238E27FC236}">
-                <a16:creationId xmlns:a16="http://schemas.microsoft.com/office/drawing/2014/main" id="{D734F5A1-89B2-A6A6-4859-7923CD4E145D}"/>
+                <a16:creationId xmlns:a16="http://schemas.microsoft.com/office/drawing/2014/main" id="{6C2904F5-7D31-B3B8-AF6E-8787C1210A37}"/>
               </a:ext>
             </a:extLst>
           </p:cNvPr>
@@ -1862,7 +1862,7 @@
           <a:bodyPr/>
           <a:lstStyle/>
           <a:p>
-            <a:fld id="{31A8CC4A-569E-4661-9FA5-D5FE28EB8517}" type="slidenum">
+            <a:fld id="{1F67189C-1CDE-4735-8E80-995D658D1459}" type="slidenum">
               <a:rPr lang="zh-CN" altLang="en-US" smtClean="0"/>
               <a:t>‹#›</a:t>
             </a:fld>
@@ -1873,7 +1873,7 @@
     </p:spTree>
     <p:extLst>
       <p:ext uri="{BB962C8B-B14F-4D97-AF65-F5344CB8AC3E}">
-        <p14:creationId xmlns:p14="http://schemas.microsoft.com/office/powerpoint/2010/main" val="974523574"/>
+        <p14:creationId xmlns:p14="http://schemas.microsoft.com/office/powerpoint/2010/main" val="148719027"/>
       </p:ext>
     </p:extLst>
   </p:cSld>
@@ -1905,7 +1905,7 @@
           <p:cNvPr id="2" name="标题 1">
             <a:extLst>
               <a:ext uri="{FF2B5EF4-FFF2-40B4-BE49-F238E27FC236}">
-                <a16:creationId xmlns:a16="http://schemas.microsoft.com/office/drawing/2014/main" id="{9D362390-1A50-3CBE-AF2E-C5025B8BB31D}"/>
+                <a16:creationId xmlns:a16="http://schemas.microsoft.com/office/drawing/2014/main" id="{F137C842-DDF4-C1BF-EB85-724013960F2F}"/>
               </a:ext>
             </a:extLst>
           </p:cNvPr>
@@ -1933,7 +1933,7 @@
           <p:cNvPr id="3" name="日期占位符 2">
             <a:extLst>
               <a:ext uri="{FF2B5EF4-FFF2-40B4-BE49-F238E27FC236}">
-                <a16:creationId xmlns:a16="http://schemas.microsoft.com/office/drawing/2014/main" id="{56976AFC-AAF5-B5A3-163B-8F5B01760D22}"/>
+                <a16:creationId xmlns:a16="http://schemas.microsoft.com/office/drawing/2014/main" id="{9336B795-A334-FB8D-9373-DFF9186ED055}"/>
               </a:ext>
             </a:extLst>
           </p:cNvPr>
@@ -1949,7 +1949,7 @@
           <a:bodyPr/>
           <a:lstStyle/>
           <a:p>
-            <a:fld id="{B9423851-A06D-4CAE-8795-9A38EFFB0350}" type="datetimeFigureOut">
+            <a:fld id="{1B793DFF-F0EF-459D-8231-334BC7448C40}" type="datetimeFigureOut">
               <a:rPr lang="zh-CN" altLang="en-US" smtClean="0"/>
               <a:t>2024/3/10</a:t>
             </a:fld>
@@ -1962,7 +1962,7 @@
           <p:cNvPr id="4" name="页脚占位符 3">
             <a:extLst>
               <a:ext uri="{FF2B5EF4-FFF2-40B4-BE49-F238E27FC236}">
-                <a16:creationId xmlns:a16="http://schemas.microsoft.com/office/drawing/2014/main" id="{1C669E24-734F-AF03-13C0-076F52AA8F28}"/>
+                <a16:creationId xmlns:a16="http://schemas.microsoft.com/office/drawing/2014/main" id="{345E5A7C-0B68-1430-B3A5-AF777EAAEC81}"/>
               </a:ext>
             </a:extLst>
           </p:cNvPr>
@@ -1987,7 +1987,7 @@
           <p:cNvPr id="5" name="灯片编号占位符 4">
             <a:extLst>
               <a:ext uri="{FF2B5EF4-FFF2-40B4-BE49-F238E27FC236}">
-                <a16:creationId xmlns:a16="http://schemas.microsoft.com/office/drawing/2014/main" id="{C5D86D43-6554-93A8-958F-0442FF2EF063}"/>
+                <a16:creationId xmlns:a16="http://schemas.microsoft.com/office/drawing/2014/main" id="{1DAB4FCD-0721-5FFD-CD5A-07B2CC39BCF2}"/>
               </a:ext>
             </a:extLst>
           </p:cNvPr>
@@ -2003,7 +2003,7 @@
           <a:bodyPr/>
           <a:lstStyle/>
           <a:p>
-            <a:fld id="{31A8CC4A-569E-4661-9FA5-D5FE28EB8517}" type="slidenum">
+            <a:fld id="{1F67189C-1CDE-4735-8E80-995D658D1459}" type="slidenum">
               <a:rPr lang="zh-CN" altLang="en-US" smtClean="0"/>
               <a:t>‹#›</a:t>
             </a:fld>
@@ -2014,7 +2014,7 @@
     </p:spTree>
     <p:extLst>
       <p:ext uri="{BB962C8B-B14F-4D97-AF65-F5344CB8AC3E}">
-        <p14:creationId xmlns:p14="http://schemas.microsoft.com/office/powerpoint/2010/main" val="1653174219"/>
+        <p14:creationId xmlns:p14="http://schemas.microsoft.com/office/powerpoint/2010/main" val="3693570103"/>
       </p:ext>
     </p:extLst>
   </p:cSld>
@@ -2046,7 +2046,7 @@
           <p:cNvPr id="2" name="日期占位符 1">
             <a:extLst>
               <a:ext uri="{FF2B5EF4-FFF2-40B4-BE49-F238E27FC236}">
-                <a16:creationId xmlns:a16="http://schemas.microsoft.com/office/drawing/2014/main" id="{25AC3870-7621-09EF-A8CB-5C511854BF86}"/>
+                <a16:creationId xmlns:a16="http://schemas.microsoft.com/office/drawing/2014/main" id="{805745C8-2D62-6EC4-8F0E-3AAEC436D411}"/>
               </a:ext>
             </a:extLst>
           </p:cNvPr>
@@ -2062,7 +2062,7 @@
           <a:bodyPr/>
           <a:lstStyle/>
           <a:p>
-            <a:fld id="{B9423851-A06D-4CAE-8795-9A38EFFB0350}" type="datetimeFigureOut">
+            <a:fld id="{1B793DFF-F0EF-459D-8231-334BC7448C40}" type="datetimeFigureOut">
               <a:rPr lang="zh-CN" altLang="en-US" smtClean="0"/>
               <a:t>2024/3/10</a:t>
             </a:fld>
@@ -2075,7 +2075,7 @@
           <p:cNvPr id="3" name="页脚占位符 2">
             <a:extLst>
               <a:ext uri="{FF2B5EF4-FFF2-40B4-BE49-F238E27FC236}">
-                <a16:creationId xmlns:a16="http://schemas.microsoft.com/office/drawing/2014/main" id="{7255F5C4-3048-F1F0-3BFE-BB2AFC1BD082}"/>
+                <a16:creationId xmlns:a16="http://schemas.microsoft.com/office/drawing/2014/main" id="{5EC4A587-2FC2-5E82-DEDA-2E8131F3770F}"/>
               </a:ext>
             </a:extLst>
           </p:cNvPr>
@@ -2100,7 +2100,7 @@
           <p:cNvPr id="4" name="灯片编号占位符 3">
             <a:extLst>
               <a:ext uri="{FF2B5EF4-FFF2-40B4-BE49-F238E27FC236}">
-                <a16:creationId xmlns:a16="http://schemas.microsoft.com/office/drawing/2014/main" id="{265EF56E-322B-BEC1-018C-C3C10073E4DE}"/>
+                <a16:creationId xmlns:a16="http://schemas.microsoft.com/office/drawing/2014/main" id="{A9BEBDE8-A2AD-9BE3-D02B-F1B468028493}"/>
               </a:ext>
             </a:extLst>
           </p:cNvPr>
@@ -2116,7 +2116,7 @@
           <a:bodyPr/>
           <a:lstStyle/>
           <a:p>
-            <a:fld id="{31A8CC4A-569E-4661-9FA5-D5FE28EB8517}" type="slidenum">
+            <a:fld id="{1F67189C-1CDE-4735-8E80-995D658D1459}" type="slidenum">
               <a:rPr lang="zh-CN" altLang="en-US" smtClean="0"/>
               <a:t>‹#›</a:t>
             </a:fld>
@@ -2127,7 +2127,7 @@
     </p:spTree>
     <p:extLst>
       <p:ext uri="{BB962C8B-B14F-4D97-AF65-F5344CB8AC3E}">
-        <p14:creationId xmlns:p14="http://schemas.microsoft.com/office/powerpoint/2010/main" val="2669227642"/>
+        <p14:creationId xmlns:p14="http://schemas.microsoft.com/office/powerpoint/2010/main" val="1046034585"/>
       </p:ext>
     </p:extLst>
   </p:cSld>
@@ -2159,7 +2159,7 @@
           <p:cNvPr id="2" name="标题 1">
             <a:extLst>
               <a:ext uri="{FF2B5EF4-FFF2-40B4-BE49-F238E27FC236}">
-                <a16:creationId xmlns:a16="http://schemas.microsoft.com/office/drawing/2014/main" id="{6DAC80D9-1552-45E6-4BC8-02B875E678AD}"/>
+                <a16:creationId xmlns:a16="http://schemas.microsoft.com/office/drawing/2014/main" id="{0E535F00-D60E-5A27-50C0-BE54411D9D93}"/>
               </a:ext>
             </a:extLst>
           </p:cNvPr>
@@ -2196,7 +2196,7 @@
           <p:cNvPr id="3" name="内容占位符 2">
             <a:extLst>
               <a:ext uri="{FF2B5EF4-FFF2-40B4-BE49-F238E27FC236}">
-                <a16:creationId xmlns:a16="http://schemas.microsoft.com/office/drawing/2014/main" id="{FC8D3221-3927-CB0F-4453-6FD3147EEC43}"/>
+                <a16:creationId xmlns:a16="http://schemas.microsoft.com/office/drawing/2014/main" id="{DAD7617B-ADEC-947C-2678-80B8FC4A1BFE}"/>
               </a:ext>
             </a:extLst>
           </p:cNvPr>
@@ -2286,7 +2286,7 @@
           <p:cNvPr id="4" name="文本占位符 3">
             <a:extLst>
               <a:ext uri="{FF2B5EF4-FFF2-40B4-BE49-F238E27FC236}">
-                <a16:creationId xmlns:a16="http://schemas.microsoft.com/office/drawing/2014/main" id="{6E72AA45-F5BE-3FA1-9C0B-0A682BCD8818}"/>
+                <a16:creationId xmlns:a16="http://schemas.microsoft.com/office/drawing/2014/main" id="{27F41B72-12F8-8964-FFC7-F1029E8657D0}"/>
               </a:ext>
             </a:extLst>
           </p:cNvPr>
@@ -2357,7 +2357,7 @@
           <p:cNvPr id="5" name="日期占位符 4">
             <a:extLst>
               <a:ext uri="{FF2B5EF4-FFF2-40B4-BE49-F238E27FC236}">
-                <a16:creationId xmlns:a16="http://schemas.microsoft.com/office/drawing/2014/main" id="{ED635B68-3AFE-E249-DC81-8CCD93A19E28}"/>
+                <a16:creationId xmlns:a16="http://schemas.microsoft.com/office/drawing/2014/main" id="{62E0DA74-89E3-0DB6-5494-B4862EE6BF2C}"/>
               </a:ext>
             </a:extLst>
           </p:cNvPr>
@@ -2373,7 +2373,7 @@
           <a:bodyPr/>
           <a:lstStyle/>
           <a:p>
-            <a:fld id="{B9423851-A06D-4CAE-8795-9A38EFFB0350}" type="datetimeFigureOut">
+            <a:fld id="{1B793DFF-F0EF-459D-8231-334BC7448C40}" type="datetimeFigureOut">
               <a:rPr lang="zh-CN" altLang="en-US" smtClean="0"/>
               <a:t>2024/3/10</a:t>
             </a:fld>
@@ -2386,7 +2386,7 @@
           <p:cNvPr id="6" name="页脚占位符 5">
             <a:extLst>
               <a:ext uri="{FF2B5EF4-FFF2-40B4-BE49-F238E27FC236}">
-                <a16:creationId xmlns:a16="http://schemas.microsoft.com/office/drawing/2014/main" id="{25B6CAD5-BD5A-2FD3-83B1-6A514E1047CF}"/>
+                <a16:creationId xmlns:a16="http://schemas.microsoft.com/office/drawing/2014/main" id="{96BBE741-AE46-6771-533E-60E665B68ADA}"/>
               </a:ext>
             </a:extLst>
           </p:cNvPr>
@@ -2411,7 +2411,7 @@
           <p:cNvPr id="7" name="灯片编号占位符 6">
             <a:extLst>
               <a:ext uri="{FF2B5EF4-FFF2-40B4-BE49-F238E27FC236}">
-                <a16:creationId xmlns:a16="http://schemas.microsoft.com/office/drawing/2014/main" id="{FB6CE155-F359-B04E-E8A1-E12F5B602C6F}"/>
+                <a16:creationId xmlns:a16="http://schemas.microsoft.com/office/drawing/2014/main" id="{B417365D-18CE-C3AF-53A0-CE14660046BB}"/>
               </a:ext>
             </a:extLst>
           </p:cNvPr>
@@ -2427,7 +2427,7 @@
           <a:bodyPr/>
           <a:lstStyle/>
           <a:p>
-            <a:fld id="{31A8CC4A-569E-4661-9FA5-D5FE28EB8517}" type="slidenum">
+            <a:fld id="{1F67189C-1CDE-4735-8E80-995D658D1459}" type="slidenum">
               <a:rPr lang="zh-CN" altLang="en-US" smtClean="0"/>
               <a:t>‹#›</a:t>
             </a:fld>
@@ -2438,7 +2438,7 @@
     </p:spTree>
     <p:extLst>
       <p:ext uri="{BB962C8B-B14F-4D97-AF65-F5344CB8AC3E}">
-        <p14:creationId xmlns:p14="http://schemas.microsoft.com/office/powerpoint/2010/main" val="2865572767"/>
+        <p14:creationId xmlns:p14="http://schemas.microsoft.com/office/powerpoint/2010/main" val="296871035"/>
       </p:ext>
     </p:extLst>
   </p:cSld>
@@ -2470,7 +2470,7 @@
           <p:cNvPr id="2" name="标题 1">
             <a:extLst>
               <a:ext uri="{FF2B5EF4-FFF2-40B4-BE49-F238E27FC236}">
-                <a16:creationId xmlns:a16="http://schemas.microsoft.com/office/drawing/2014/main" id="{62BB5A47-5A18-4C9A-C909-608D1703CF3E}"/>
+                <a16:creationId xmlns:a16="http://schemas.microsoft.com/office/drawing/2014/main" id="{1CCB38DB-581E-1621-E979-56CBDBE5738B}"/>
               </a:ext>
             </a:extLst>
           </p:cNvPr>
@@ -2507,7 +2507,7 @@
           <p:cNvPr id="3" name="图片占位符 2">
             <a:extLst>
               <a:ext uri="{FF2B5EF4-FFF2-40B4-BE49-F238E27FC236}">
-                <a16:creationId xmlns:a16="http://schemas.microsoft.com/office/drawing/2014/main" id="{E1FACE93-2FDD-D1E2-55FA-C84D4F7242B4}"/>
+                <a16:creationId xmlns:a16="http://schemas.microsoft.com/office/drawing/2014/main" id="{58A5BB79-7ADD-6154-482C-BE4CCB53CC5B}"/>
               </a:ext>
             </a:extLst>
           </p:cNvPr>
@@ -2574,7 +2574,7 @@
           <p:cNvPr id="4" name="文本占位符 3">
             <a:extLst>
               <a:ext uri="{FF2B5EF4-FFF2-40B4-BE49-F238E27FC236}">
-                <a16:creationId xmlns:a16="http://schemas.microsoft.com/office/drawing/2014/main" id="{EDC41096-D5DE-687D-6B79-01F426B7204C}"/>
+                <a16:creationId xmlns:a16="http://schemas.microsoft.com/office/drawing/2014/main" id="{0056CC8E-44FD-4735-46AD-4C8598910C2C}"/>
               </a:ext>
             </a:extLst>
           </p:cNvPr>
@@ -2645,7 +2645,7 @@
           <p:cNvPr id="5" name="日期占位符 4">
             <a:extLst>
               <a:ext uri="{FF2B5EF4-FFF2-40B4-BE49-F238E27FC236}">
-                <a16:creationId xmlns:a16="http://schemas.microsoft.com/office/drawing/2014/main" id="{785AA32D-7B7B-04ED-9E02-095419CDF07F}"/>
+                <a16:creationId xmlns:a16="http://schemas.microsoft.com/office/drawing/2014/main" id="{BD4E0A9E-4AB9-9E6C-D76E-4197C847E601}"/>
               </a:ext>
             </a:extLst>
           </p:cNvPr>
@@ -2661,7 +2661,7 @@
           <a:bodyPr/>
           <a:lstStyle/>
           <a:p>
-            <a:fld id="{B9423851-A06D-4CAE-8795-9A38EFFB0350}" type="datetimeFigureOut">
+            <a:fld id="{1B793DFF-F0EF-459D-8231-334BC7448C40}" type="datetimeFigureOut">
               <a:rPr lang="zh-CN" altLang="en-US" smtClean="0"/>
               <a:t>2024/3/10</a:t>
             </a:fld>
@@ -2674,7 +2674,7 @@
           <p:cNvPr id="6" name="页脚占位符 5">
             <a:extLst>
               <a:ext uri="{FF2B5EF4-FFF2-40B4-BE49-F238E27FC236}">
-                <a16:creationId xmlns:a16="http://schemas.microsoft.com/office/drawing/2014/main" id="{02253C33-4125-B151-8766-1F5FD1B951A7}"/>
+                <a16:creationId xmlns:a16="http://schemas.microsoft.com/office/drawing/2014/main" id="{17D0B913-9954-284F-5AD5-D72ABEB43A19}"/>
               </a:ext>
             </a:extLst>
           </p:cNvPr>
@@ -2699,7 +2699,7 @@
           <p:cNvPr id="7" name="灯片编号占位符 6">
             <a:extLst>
               <a:ext uri="{FF2B5EF4-FFF2-40B4-BE49-F238E27FC236}">
-                <a16:creationId xmlns:a16="http://schemas.microsoft.com/office/drawing/2014/main" id="{C2ED7E4A-71A4-5F52-3544-CC5596845CD8}"/>
+                <a16:creationId xmlns:a16="http://schemas.microsoft.com/office/drawing/2014/main" id="{D51BEB9D-7C6F-8EE2-C757-CE3050608143}"/>
               </a:ext>
             </a:extLst>
           </p:cNvPr>
@@ -2715,7 +2715,7 @@
           <a:bodyPr/>
           <a:lstStyle/>
           <a:p>
-            <a:fld id="{31A8CC4A-569E-4661-9FA5-D5FE28EB8517}" type="slidenum">
+            <a:fld id="{1F67189C-1CDE-4735-8E80-995D658D1459}" type="slidenum">
               <a:rPr lang="zh-CN" altLang="en-US" smtClean="0"/>
               <a:t>‹#›</a:t>
             </a:fld>
@@ -2726,7 +2726,7 @@
     </p:spTree>
     <p:extLst>
       <p:ext uri="{BB962C8B-B14F-4D97-AF65-F5344CB8AC3E}">
-        <p14:creationId xmlns:p14="http://schemas.microsoft.com/office/powerpoint/2010/main" val="2788927369"/>
+        <p14:creationId xmlns:p14="http://schemas.microsoft.com/office/powerpoint/2010/main" val="3964396010"/>
       </p:ext>
     </p:extLst>
   </p:cSld>
@@ -2763,7 +2763,7 @@
           <p:cNvPr id="2" name="标题占位符 1">
             <a:extLst>
               <a:ext uri="{FF2B5EF4-FFF2-40B4-BE49-F238E27FC236}">
-                <a16:creationId xmlns:a16="http://schemas.microsoft.com/office/drawing/2014/main" id="{96C9CFB2-3166-C921-737F-07ADAE66F03F}"/>
+                <a16:creationId xmlns:a16="http://schemas.microsoft.com/office/drawing/2014/main" id="{DA3E2854-5E39-30B5-6327-D66163E90AAE}"/>
               </a:ext>
             </a:extLst>
           </p:cNvPr>
@@ -2801,7 +2801,7 @@
           <p:cNvPr id="3" name="文本占位符 2">
             <a:extLst>
               <a:ext uri="{FF2B5EF4-FFF2-40B4-BE49-F238E27FC236}">
-                <a16:creationId xmlns:a16="http://schemas.microsoft.com/office/drawing/2014/main" id="{B701ECCF-27E0-6E3D-6CAF-3C0D0A0DA365}"/>
+                <a16:creationId xmlns:a16="http://schemas.microsoft.com/office/drawing/2014/main" id="{4753264C-BBD0-A8FF-A7CA-6E832F24165F}"/>
               </a:ext>
             </a:extLst>
           </p:cNvPr>
@@ -2868,7 +2868,7 @@
           <p:cNvPr id="4" name="日期占位符 3">
             <a:extLst>
               <a:ext uri="{FF2B5EF4-FFF2-40B4-BE49-F238E27FC236}">
-                <a16:creationId xmlns:a16="http://schemas.microsoft.com/office/drawing/2014/main" id="{4A25811B-D09D-C1A1-7602-B289CE25B180}"/>
+                <a16:creationId xmlns:a16="http://schemas.microsoft.com/office/drawing/2014/main" id="{B9282CDA-A853-F1D8-14D9-E964D0D0286B}"/>
               </a:ext>
             </a:extLst>
           </p:cNvPr>
@@ -2902,7 +2902,7 @@
             </a:lvl1pPr>
           </a:lstStyle>
           <a:p>
-            <a:fld id="{B9423851-A06D-4CAE-8795-9A38EFFB0350}" type="datetimeFigureOut">
+            <a:fld id="{1B793DFF-F0EF-459D-8231-334BC7448C40}" type="datetimeFigureOut">
               <a:rPr lang="zh-CN" altLang="en-US" smtClean="0"/>
               <a:t>2024/3/10</a:t>
             </a:fld>
@@ -2915,7 +2915,7 @@
           <p:cNvPr id="5" name="页脚占位符 4">
             <a:extLst>
               <a:ext uri="{FF2B5EF4-FFF2-40B4-BE49-F238E27FC236}">
-                <a16:creationId xmlns:a16="http://schemas.microsoft.com/office/drawing/2014/main" id="{C86970FC-BA06-9B75-8B02-20B482393F8F}"/>
+                <a16:creationId xmlns:a16="http://schemas.microsoft.com/office/drawing/2014/main" id="{7059DC32-15F1-CBEE-2E61-D4E28545EAEF}"/>
               </a:ext>
             </a:extLst>
           </p:cNvPr>
@@ -2958,7 +2958,7 @@
           <p:cNvPr id="6" name="灯片编号占位符 5">
             <a:extLst>
               <a:ext uri="{FF2B5EF4-FFF2-40B4-BE49-F238E27FC236}">
-                <a16:creationId xmlns:a16="http://schemas.microsoft.com/office/drawing/2014/main" id="{BBAEAA98-0102-69EF-BD68-8C61031ADDEC}"/>
+                <a16:creationId xmlns:a16="http://schemas.microsoft.com/office/drawing/2014/main" id="{ACCE6543-FF77-E320-9220-A97614FDBA5F}"/>
               </a:ext>
             </a:extLst>
           </p:cNvPr>
@@ -2992,7 +2992,7 @@
             </a:lvl1pPr>
           </a:lstStyle>
           <a:p>
-            <a:fld id="{31A8CC4A-569E-4661-9FA5-D5FE28EB8517}" type="slidenum">
+            <a:fld id="{1F67189C-1CDE-4735-8E80-995D658D1459}" type="slidenum">
               <a:rPr lang="zh-CN" altLang="en-US" smtClean="0"/>
               <a:t>‹#›</a:t>
             </a:fld>
@@ -3003,7 +3003,7 @@
     </p:spTree>
     <p:extLst>
       <p:ext uri="{BB962C8B-B14F-4D97-AF65-F5344CB8AC3E}">
-        <p14:creationId xmlns:p14="http://schemas.microsoft.com/office/powerpoint/2010/main" val="1886985682"/>
+        <p14:creationId xmlns:p14="http://schemas.microsoft.com/office/powerpoint/2010/main" val="2529505924"/>
       </p:ext>
     </p:extLst>
   </p:cSld>
@@ -3323,7 +3323,7 @@
       </p:grpSpPr>
       <p:pic>
         <p:nvPicPr>
-          <p:cNvPr id="1140738" name="Picture 2" descr="1113"/>
+          <p:cNvPr id="1141762" name="Picture 2" descr="1114"/>
           <p:cNvPicPr>
             <a:picLocks noChangeAspect="1" noChangeArrowheads="1"/>
           </p:cNvPicPr>
@@ -3344,8 +3344,8 @@
         </p:blipFill>
         <p:spPr bwMode="auto">
           <a:xfrm>
-            <a:off x="1524000" y="0"/>
-            <a:ext cx="9144000" cy="6858000"/>
+            <a:off x="1524000" y="1"/>
+            <a:ext cx="9144000" cy="6092825"/>
           </a:xfrm>
           <a:prstGeom prst="rect">
             <a:avLst/>
